--- a/ClimbOn.pptx
+++ b/ClimbOn.pptx
@@ -7741,7 +7741,7 @@
           <a:p>
             <a:r>
               <a:rPr lang="en-US" dirty="0"/>
-              <a:t>Implementation: SQL</a:t>
+              <a:t>Procedures/Triggers:</a:t>
             </a:r>
           </a:p>
         </p:txBody>
